--- a/ProgEnj/Лабораторные работы.pptx
+++ b/ProgEnj/Лабораторные работы.pptx
@@ -7,8 +7,8 @@
   <p:sldIdLst>
     <p:sldId id="264" r:id="rId2"/>
     <p:sldId id="265" r:id="rId3"/>
-    <p:sldId id="257" r:id="rId4"/>
-    <p:sldId id="259" r:id="rId5"/>
+    <p:sldId id="259" r:id="rId4"/>
+    <p:sldId id="257" r:id="rId5"/>
     <p:sldId id="260" r:id="rId6"/>
     <p:sldId id="263" r:id="rId7"/>
     <p:sldId id="266" r:id="rId8"/>
@@ -110,6 +110,11 @@
       </a:defRPr>
     </a:lvl9pPr>
   </p:defaultTextStyle>
+  <p:extLst>
+    <p:ext uri="{EFAFB233-063F-42B5-8137-9DF3F51BA10A}">
+      <p15:sldGuideLst xmlns:p15="http://schemas.microsoft.com/office/powerpoint/2012/main"/>
+    </p:ext>
+  </p:extLst>
 </p:presentation>
 </file>
 
@@ -260,7 +265,7 @@
           <a:p>
             <a:fld id="{17B80AAD-B10C-48B7-B1EA-CC4D04D49269}" type="datetimeFigureOut">
               <a:rPr lang="ru-RU" smtClean="0"/>
-              <a:t>17.12.2025</a:t>
+              <a:t>27.12.2025</a:t>
             </a:fld>
             <a:endParaRPr lang="ru-RU"/>
           </a:p>
@@ -458,7 +463,7 @@
           <a:p>
             <a:fld id="{17B80AAD-B10C-48B7-B1EA-CC4D04D49269}" type="datetimeFigureOut">
               <a:rPr lang="ru-RU" smtClean="0"/>
-              <a:t>17.12.2025</a:t>
+              <a:t>27.12.2025</a:t>
             </a:fld>
             <a:endParaRPr lang="ru-RU"/>
           </a:p>
@@ -666,7 +671,7 @@
           <a:p>
             <a:fld id="{17B80AAD-B10C-48B7-B1EA-CC4D04D49269}" type="datetimeFigureOut">
               <a:rPr lang="ru-RU" smtClean="0"/>
-              <a:t>17.12.2025</a:t>
+              <a:t>27.12.2025</a:t>
             </a:fld>
             <a:endParaRPr lang="ru-RU"/>
           </a:p>
@@ -864,7 +869,7 @@
           <a:p>
             <a:fld id="{17B80AAD-B10C-48B7-B1EA-CC4D04D49269}" type="datetimeFigureOut">
               <a:rPr lang="ru-RU" smtClean="0"/>
-              <a:t>17.12.2025</a:t>
+              <a:t>27.12.2025</a:t>
             </a:fld>
             <a:endParaRPr lang="ru-RU"/>
           </a:p>
@@ -1139,7 +1144,7 @@
           <a:p>
             <a:fld id="{17B80AAD-B10C-48B7-B1EA-CC4D04D49269}" type="datetimeFigureOut">
               <a:rPr lang="ru-RU" smtClean="0"/>
-              <a:t>17.12.2025</a:t>
+              <a:t>27.12.2025</a:t>
             </a:fld>
             <a:endParaRPr lang="ru-RU"/>
           </a:p>
@@ -1404,7 +1409,7 @@
           <a:p>
             <a:fld id="{17B80AAD-B10C-48B7-B1EA-CC4D04D49269}" type="datetimeFigureOut">
               <a:rPr lang="ru-RU" smtClean="0"/>
-              <a:t>17.12.2025</a:t>
+              <a:t>27.12.2025</a:t>
             </a:fld>
             <a:endParaRPr lang="ru-RU"/>
           </a:p>
@@ -1816,7 +1821,7 @@
           <a:p>
             <a:fld id="{17B80AAD-B10C-48B7-B1EA-CC4D04D49269}" type="datetimeFigureOut">
               <a:rPr lang="ru-RU" smtClean="0"/>
-              <a:t>17.12.2025</a:t>
+              <a:t>27.12.2025</a:t>
             </a:fld>
             <a:endParaRPr lang="ru-RU"/>
           </a:p>
@@ -1957,7 +1962,7 @@
           <a:p>
             <a:fld id="{17B80AAD-B10C-48B7-B1EA-CC4D04D49269}" type="datetimeFigureOut">
               <a:rPr lang="ru-RU" smtClean="0"/>
-              <a:t>17.12.2025</a:t>
+              <a:t>27.12.2025</a:t>
             </a:fld>
             <a:endParaRPr lang="ru-RU"/>
           </a:p>
@@ -2070,7 +2075,7 @@
           <a:p>
             <a:fld id="{17B80AAD-B10C-48B7-B1EA-CC4D04D49269}" type="datetimeFigureOut">
               <a:rPr lang="ru-RU" smtClean="0"/>
-              <a:t>17.12.2025</a:t>
+              <a:t>27.12.2025</a:t>
             </a:fld>
             <a:endParaRPr lang="ru-RU"/>
           </a:p>
@@ -2381,7 +2386,7 @@
           <a:p>
             <a:fld id="{17B80AAD-B10C-48B7-B1EA-CC4D04D49269}" type="datetimeFigureOut">
               <a:rPr lang="ru-RU" smtClean="0"/>
-              <a:t>17.12.2025</a:t>
+              <a:t>27.12.2025</a:t>
             </a:fld>
             <a:endParaRPr lang="ru-RU"/>
           </a:p>
@@ -2669,7 +2674,7 @@
           <a:p>
             <a:fld id="{17B80AAD-B10C-48B7-B1EA-CC4D04D49269}" type="datetimeFigureOut">
               <a:rPr lang="ru-RU" smtClean="0"/>
-              <a:t>17.12.2025</a:t>
+              <a:t>27.12.2025</a:t>
             </a:fld>
             <a:endParaRPr lang="ru-RU"/>
           </a:p>
@@ -2910,7 +2915,7 @@
           <a:p>
             <a:fld id="{17B80AAD-B10C-48B7-B1EA-CC4D04D49269}" type="datetimeFigureOut">
               <a:rPr lang="ru-RU" smtClean="0"/>
-              <a:t>17.12.2025</a:t>
+              <a:t>27.12.2025</a:t>
             </a:fld>
             <a:endParaRPr lang="ru-RU"/>
           </a:p>
@@ -3570,14 +3575,14 @@
       </p:grpSpPr>
       <p:sp>
         <p:nvSpPr>
-          <p:cNvPr id="2" name="Прямоугольник 1"/>
+          <p:cNvPr id="3" name="Прямоугольник 2"/>
           <p:cNvSpPr/>
           <p:nvPr/>
         </p:nvSpPr>
         <p:spPr>
           <a:xfrm>
-            <a:off x="4139312" y="1486062"/>
-            <a:ext cx="3909660" cy="388696"/>
+            <a:off x="3774532" y="339052"/>
+            <a:ext cx="4950073" cy="368755"/>
           </a:xfrm>
           <a:prstGeom prst="rect">
             <a:avLst/>
@@ -3599,30 +3604,37 @@
             </a:pPr>
             <a:r>
               <a:rPr lang="ru-RU" b="1" dirty="0">
-                <a:solidFill>
-                  <a:srgbClr val="000000"/>
-                </a:solidFill>
                 <a:latin typeface="Times New Roman" panose="02020603050405020304" pitchFamily="18" charset="0"/>
                 <a:ea typeface="Calibri" panose="020F0502020204030204" pitchFamily="34" charset="0"/>
                 <a:cs typeface="Times New Roman" panose="02020603050405020304" pitchFamily="18" charset="0"/>
               </a:rPr>
-              <a:t>Диаграмма декомпозиции функций</a:t>
-            </a:r>
-            <a:endParaRPr lang="ru-RU" sz="1400" dirty="0">
-              <a:effectLst/>
-              <a:latin typeface="Calibri" panose="020F0502020204030204" pitchFamily="34" charset="0"/>
-              <a:ea typeface="Calibri" panose="020F0502020204030204" pitchFamily="34" charset="0"/>
-              <a:cs typeface="Times New Roman" panose="02020603050405020304" pitchFamily="18" charset="0"/>
-            </a:endParaRPr>
+              <a:t>Диаграмма потоков данных (</a:t>
+            </a:r>
+            <a:r>
+              <a:rPr lang="ru-RU" b="1" dirty="0" err="1">
+                <a:latin typeface="Times New Roman" panose="02020603050405020304" pitchFamily="18" charset="0"/>
+                <a:ea typeface="Calibri" panose="020F0502020204030204" pitchFamily="34" charset="0"/>
+                <a:cs typeface="Times New Roman" panose="02020603050405020304" pitchFamily="18" charset="0"/>
+              </a:rPr>
+              <a:t>Гейна-Сарсона</a:t>
+            </a:r>
+            <a:r>
+              <a:rPr lang="ru-RU" b="1" dirty="0">
+                <a:latin typeface="Times New Roman" panose="02020603050405020304" pitchFamily="18" charset="0"/>
+                <a:ea typeface="Calibri" panose="020F0502020204030204" pitchFamily="34" charset="0"/>
+                <a:cs typeface="Times New Roman" panose="02020603050405020304" pitchFamily="18" charset="0"/>
+              </a:rPr>
+              <a:t>) </a:t>
+            </a:r>
           </a:p>
         </p:txBody>
       </p:sp>
       <p:pic>
         <p:nvPicPr>
-          <p:cNvPr id="5" name="Рисунок 4" descr="Изображение выглядит как линия, диаграмма, текст, белый&#10;&#10;Автоматически созданное описание">
-            <a:extLst>
-              <a:ext uri="{FF2B5EF4-FFF2-40B4-BE49-F238E27FC236}">
-                <a16:creationId xmlns:a16="http://schemas.microsoft.com/office/drawing/2014/main" id="{A4C0536C-98E9-03DC-0456-9C7300ECCB45}"/>
+          <p:cNvPr id="5" name="Рисунок 4" descr="Изображение выглядит как текст, диаграмма, План, Параллельный&#10;&#10;Автоматически созданное описание">
+            <a:extLst>
+              <a:ext uri="{FF2B5EF4-FFF2-40B4-BE49-F238E27FC236}">
+                <a16:creationId xmlns:a16="http://schemas.microsoft.com/office/drawing/2014/main" id="{58BC5FF4-8263-9D94-B138-D6F66D33436C}"/>
               </a:ext>
             </a:extLst>
           </p:cNvPr>
@@ -3645,8 +3657,8 @@
         </p:blipFill>
         <p:spPr>
           <a:xfrm>
-            <a:off x="0" y="2190750"/>
-            <a:ext cx="12146008" cy="2629444"/>
+            <a:off x="2542903" y="707807"/>
+            <a:ext cx="7106193" cy="6031126"/>
           </a:xfrm>
           <a:prstGeom prst="rect">
             <a:avLst/>
@@ -3656,7 +3668,7 @@
     </p:spTree>
     <p:extLst>
       <p:ext uri="{BB962C8B-B14F-4D97-AF65-F5344CB8AC3E}">
-        <p14:creationId xmlns:p14="http://schemas.microsoft.com/office/powerpoint/2010/main" val="2505919016"/>
+        <p14:creationId xmlns:p14="http://schemas.microsoft.com/office/powerpoint/2010/main" val="1506432360"/>
       </p:ext>
     </p:extLst>
   </p:cSld>
@@ -3685,14 +3697,14 @@
       </p:grpSpPr>
       <p:sp>
         <p:nvSpPr>
-          <p:cNvPr id="3" name="Прямоугольник 2"/>
+          <p:cNvPr id="2" name="Прямоугольник 1"/>
           <p:cNvSpPr/>
           <p:nvPr/>
         </p:nvSpPr>
         <p:spPr>
           <a:xfrm>
-            <a:off x="3774532" y="339052"/>
-            <a:ext cx="4950073" cy="368755"/>
+            <a:off x="4139312" y="1486062"/>
+            <a:ext cx="3909660" cy="388696"/>
           </a:xfrm>
           <a:prstGeom prst="rect">
             <a:avLst/>
@@ -3714,37 +3726,30 @@
             </a:pPr>
             <a:r>
               <a:rPr lang="ru-RU" b="1" dirty="0">
+                <a:solidFill>
+                  <a:srgbClr val="000000"/>
+                </a:solidFill>
                 <a:latin typeface="Times New Roman" panose="02020603050405020304" pitchFamily="18" charset="0"/>
                 <a:ea typeface="Calibri" panose="020F0502020204030204" pitchFamily="34" charset="0"/>
                 <a:cs typeface="Times New Roman" panose="02020603050405020304" pitchFamily="18" charset="0"/>
               </a:rPr>
-              <a:t>Диаграмма потоков данных (</a:t>
-            </a:r>
-            <a:r>
-              <a:rPr lang="ru-RU" b="1" dirty="0" err="1">
-                <a:latin typeface="Times New Roman" panose="02020603050405020304" pitchFamily="18" charset="0"/>
-                <a:ea typeface="Calibri" panose="020F0502020204030204" pitchFamily="34" charset="0"/>
-                <a:cs typeface="Times New Roman" panose="02020603050405020304" pitchFamily="18" charset="0"/>
-              </a:rPr>
-              <a:t>Гейна-Сарсона</a:t>
-            </a:r>
-            <a:r>
-              <a:rPr lang="ru-RU" b="1" dirty="0">
-                <a:latin typeface="Times New Roman" panose="02020603050405020304" pitchFamily="18" charset="0"/>
-                <a:ea typeface="Calibri" panose="020F0502020204030204" pitchFamily="34" charset="0"/>
-                <a:cs typeface="Times New Roman" panose="02020603050405020304" pitchFamily="18" charset="0"/>
-              </a:rPr>
-              <a:t>) </a:t>
-            </a:r>
+              <a:t>Диаграмма декомпозиции функций</a:t>
+            </a:r>
+            <a:endParaRPr lang="ru-RU" sz="1400" dirty="0">
+              <a:effectLst/>
+              <a:latin typeface="Calibri" panose="020F0502020204030204" pitchFamily="34" charset="0"/>
+              <a:ea typeface="Calibri" panose="020F0502020204030204" pitchFamily="34" charset="0"/>
+              <a:cs typeface="Times New Roman" panose="02020603050405020304" pitchFamily="18" charset="0"/>
+            </a:endParaRPr>
           </a:p>
         </p:txBody>
       </p:sp>
       <p:pic>
         <p:nvPicPr>
-          <p:cNvPr id="5" name="Рисунок 4" descr="Изображение выглядит как текст, диаграмма, План, Параллельный&#10;&#10;Автоматически созданное описание">
-            <a:extLst>
-              <a:ext uri="{FF2B5EF4-FFF2-40B4-BE49-F238E27FC236}">
-                <a16:creationId xmlns:a16="http://schemas.microsoft.com/office/drawing/2014/main" id="{58BC5FF4-8263-9D94-B138-D6F66D33436C}"/>
+          <p:cNvPr id="5" name="Рисунок 4" descr="Изображение выглядит как линия, диаграмма, текст, белый&#10;&#10;Автоматически созданное описание">
+            <a:extLst>
+              <a:ext uri="{FF2B5EF4-FFF2-40B4-BE49-F238E27FC236}">
+                <a16:creationId xmlns:a16="http://schemas.microsoft.com/office/drawing/2014/main" id="{A4C0536C-98E9-03DC-0456-9C7300ECCB45}"/>
               </a:ext>
             </a:extLst>
           </p:cNvPr>
@@ -3767,8 +3772,8 @@
         </p:blipFill>
         <p:spPr>
           <a:xfrm>
-            <a:off x="2542903" y="707807"/>
-            <a:ext cx="7106193" cy="6031126"/>
+            <a:off x="0" y="2190750"/>
+            <a:ext cx="12146008" cy="2629444"/>
           </a:xfrm>
           <a:prstGeom prst="rect">
             <a:avLst/>
@@ -3778,7 +3783,7 @@
     </p:spTree>
     <p:extLst>
       <p:ext uri="{BB962C8B-B14F-4D97-AF65-F5344CB8AC3E}">
-        <p14:creationId xmlns:p14="http://schemas.microsoft.com/office/powerpoint/2010/main" val="1506432360"/>
+        <p14:creationId xmlns:p14="http://schemas.microsoft.com/office/powerpoint/2010/main" val="2505919016"/>
       </p:ext>
     </p:extLst>
   </p:cSld>
